--- a/学习资料/php操作数据库.pptx
+++ b/学习资料/php操作数据库.pptx
@@ -5,7 +5,7 @@
     <p:sldMasterId id="2147483660" r:id="rId1"/>
   </p:sldMasterIdLst>
   <p:notesMasterIdLst>
-    <p:notesMasterId r:id="rId20"/>
+    <p:notesMasterId r:id="rId21"/>
   </p:notesMasterIdLst>
   <p:sldIdLst>
     <p:sldId id="257" r:id="rId2"/>
@@ -26,6 +26,7 @@
     <p:sldId id="271" r:id="rId17"/>
     <p:sldId id="273" r:id="rId18"/>
     <p:sldId id="274" r:id="rId19"/>
+    <p:sldId id="275" r:id="rId20"/>
   </p:sldIdLst>
   <p:sldSz cx="12192000" cy="6858000"/>
   <p:notesSz cx="6858000" cy="9144000"/>
@@ -214,7 +215,7 @@
           <a:p>
             <a:fld id="{73561573-CC60-B347-8D6F-66EC940EC895}" type="datetimeFigureOut">
               <a:rPr lang="en-US" smtClean="0"/>
-              <a:t>8/7/18</a:t>
+              <a:t>8/8/18</a:t>
             </a:fld>
             <a:endParaRPr lang="en-US"/>
           </a:p>
@@ -1322,6 +1323,90 @@
 </p:notes>
 </file>
 
+<file path=ppt/notesSlides/notesSlide19.xml><?xml version="1.0" encoding="utf-8"?>
+<p:notes xmlns:a="http://schemas.openxmlformats.org/drawingml/2006/main" xmlns:r="http://schemas.openxmlformats.org/officeDocument/2006/relationships" xmlns:p="http://schemas.openxmlformats.org/presentationml/2006/main">
+  <p:cSld>
+    <p:spTree>
+      <p:nvGrpSpPr>
+        <p:cNvPr id="1" name=""/>
+        <p:cNvGrpSpPr/>
+        <p:nvPr/>
+      </p:nvGrpSpPr>
+      <p:grpSpPr>
+        <a:xfrm>
+          <a:off x="0" y="0"/>
+          <a:ext cx="0" cy="0"/>
+          <a:chOff x="0" y="0"/>
+          <a:chExt cx="0" cy="0"/>
+        </a:xfrm>
+      </p:grpSpPr>
+      <p:sp>
+        <p:nvSpPr>
+          <p:cNvPr id="2" name="Slide Image Placeholder 1"/>
+          <p:cNvSpPr>
+            <a:spLocks noGrp="1" noRot="1" noChangeAspect="1"/>
+          </p:cNvSpPr>
+          <p:nvPr>
+            <p:ph type="sldImg"/>
+          </p:nvPr>
+        </p:nvSpPr>
+        <p:spPr/>
+      </p:sp>
+      <p:sp>
+        <p:nvSpPr>
+          <p:cNvPr id="3" name="Notes Placeholder 2"/>
+          <p:cNvSpPr>
+            <a:spLocks noGrp="1"/>
+          </p:cNvSpPr>
+          <p:nvPr>
+            <p:ph type="body" idx="1"/>
+          </p:nvPr>
+        </p:nvSpPr>
+        <p:spPr/>
+        <p:txBody>
+          <a:bodyPr/>
+          <a:lstStyle/>
+          <a:p>
+            <a:endParaRPr lang="en-US" dirty="0"/>
+          </a:p>
+        </p:txBody>
+      </p:sp>
+      <p:sp>
+        <p:nvSpPr>
+          <p:cNvPr id="4" name="Slide Number Placeholder 3"/>
+          <p:cNvSpPr>
+            <a:spLocks noGrp="1"/>
+          </p:cNvSpPr>
+          <p:nvPr>
+            <p:ph type="sldNum" sz="quarter" idx="10"/>
+          </p:nvPr>
+        </p:nvSpPr>
+        <p:spPr/>
+        <p:txBody>
+          <a:bodyPr/>
+          <a:lstStyle/>
+          <a:p>
+            <a:fld id="{FAAB4DEA-DCF1-E64D-8B4D-F3341A63145D}" type="slidenum">
+              <a:rPr lang="en-US" smtClean="0"/>
+              <a:t>19</a:t>
+            </a:fld>
+            <a:endParaRPr lang="en-US"/>
+          </a:p>
+        </p:txBody>
+      </p:sp>
+    </p:spTree>
+    <p:extLst>
+      <p:ext uri="{BB962C8B-B14F-4D97-AF65-F5344CB8AC3E}">
+        <p14:creationId xmlns:p14="http://schemas.microsoft.com/office/powerpoint/2010/main" val="572450300"/>
+      </p:ext>
+    </p:extLst>
+  </p:cSld>
+  <p:clrMapOvr>
+    <a:masterClrMapping/>
+  </p:clrMapOvr>
+</p:notes>
+</file>
+
 <file path=ppt/notesSlides/notesSlide2.xml><?xml version="1.0" encoding="utf-8"?>
 <p:notes xmlns:a="http://schemas.openxmlformats.org/drawingml/2006/main" xmlns:r="http://schemas.openxmlformats.org/officeDocument/2006/relationships" xmlns:p="http://schemas.openxmlformats.org/presentationml/2006/main">
   <p:cSld>
@@ -2133,7 +2218,7 @@
           <a:p>
             <a:fld id="{5D7FFDE8-09C1-B048-A0D5-2EAEB84C6295}" type="datetimeFigureOut">
               <a:rPr lang="en-US" smtClean="0"/>
-              <a:t>8/7/18</a:t>
+              <a:t>8/8/18</a:t>
             </a:fld>
             <a:endParaRPr lang="en-US"/>
           </a:p>
@@ -2339,7 +2424,7 @@
           <a:p>
             <a:fld id="{5D7FFDE8-09C1-B048-A0D5-2EAEB84C6295}" type="datetimeFigureOut">
               <a:rPr lang="en-US" smtClean="0"/>
-              <a:t>8/7/18</a:t>
+              <a:t>8/8/18</a:t>
             </a:fld>
             <a:endParaRPr lang="en-US"/>
           </a:p>
@@ -2549,7 +2634,7 @@
           <a:p>
             <a:fld id="{5D7FFDE8-09C1-B048-A0D5-2EAEB84C6295}" type="datetimeFigureOut">
               <a:rPr lang="en-US" smtClean="0"/>
-              <a:t>8/7/18</a:t>
+              <a:t>8/8/18</a:t>
             </a:fld>
             <a:endParaRPr lang="en-US"/>
           </a:p>
@@ -2745,7 +2830,7 @@
           <a:p>
             <a:fld id="{5D7FFDE8-09C1-B048-A0D5-2EAEB84C6295}" type="datetimeFigureOut">
               <a:rPr lang="en-US" smtClean="0"/>
-              <a:t>8/7/18</a:t>
+              <a:t>8/8/18</a:t>
             </a:fld>
             <a:endParaRPr lang="en-US"/>
           </a:p>
@@ -3019,7 +3104,7 @@
           <a:p>
             <a:fld id="{5D7FFDE8-09C1-B048-A0D5-2EAEB84C6295}" type="datetimeFigureOut">
               <a:rPr lang="en-US" smtClean="0"/>
-              <a:t>8/7/18</a:t>
+              <a:t>8/8/18</a:t>
             </a:fld>
             <a:endParaRPr lang="en-US"/>
           </a:p>
@@ -3282,7 +3367,7 @@
           <a:p>
             <a:fld id="{5D7FFDE8-09C1-B048-A0D5-2EAEB84C6295}" type="datetimeFigureOut">
               <a:rPr lang="en-US" smtClean="0"/>
-              <a:t>8/7/18</a:t>
+              <a:t>8/8/18</a:t>
             </a:fld>
             <a:endParaRPr lang="en-US"/>
           </a:p>
@@ -3693,7 +3778,7 @@
           <a:p>
             <a:fld id="{5D7FFDE8-09C1-B048-A0D5-2EAEB84C6295}" type="datetimeFigureOut">
               <a:rPr lang="en-US" smtClean="0"/>
-              <a:t>8/7/18</a:t>
+              <a:t>8/8/18</a:t>
             </a:fld>
             <a:endParaRPr lang="en-US"/>
           </a:p>
@@ -3837,7 +3922,7 @@
           <a:p>
             <a:fld id="{5D7FFDE8-09C1-B048-A0D5-2EAEB84C6295}" type="datetimeFigureOut">
               <a:rPr lang="en-US" smtClean="0"/>
-              <a:t>8/7/18</a:t>
+              <a:t>8/8/18</a:t>
             </a:fld>
             <a:endParaRPr lang="en-US"/>
           </a:p>
@@ -3958,7 +4043,7 @@
           <a:p>
             <a:fld id="{5D7FFDE8-09C1-B048-A0D5-2EAEB84C6295}" type="datetimeFigureOut">
               <a:rPr lang="en-US" smtClean="0"/>
-              <a:t>8/7/18</a:t>
+              <a:t>8/8/18</a:t>
             </a:fld>
             <a:endParaRPr lang="en-US"/>
           </a:p>
@@ -4204,7 +4289,7 @@
           <a:p>
             <a:fld id="{5D7FFDE8-09C1-B048-A0D5-2EAEB84C6295}" type="datetimeFigureOut">
               <a:rPr lang="en-US" smtClean="0"/>
-              <a:t>8/7/18</a:t>
+              <a:t>8/8/18</a:t>
             </a:fld>
             <a:endParaRPr lang="en-US"/>
           </a:p>
@@ -4644,7 +4729,7 @@
           <a:p>
             <a:fld id="{5D7FFDE8-09C1-B048-A0D5-2EAEB84C6295}" type="datetimeFigureOut">
               <a:rPr lang="en-US" smtClean="0"/>
-              <a:t>8/7/18</a:t>
+              <a:t>8/8/18</a:t>
             </a:fld>
             <a:endParaRPr lang="en-US"/>
           </a:p>
@@ -4965,7 +5050,7 @@
           <a:p>
             <a:fld id="{5D7FFDE8-09C1-B048-A0D5-2EAEB84C6295}" type="datetimeFigureOut">
               <a:rPr lang="en-US" smtClean="0"/>
-              <a:t>8/7/18</a:t>
+              <a:t>8/8/18</a:t>
             </a:fld>
             <a:endParaRPr lang="en-US"/>
           </a:p>
@@ -10908,6 +10993,738 @@
           <a:bodyPr/>
           <a:lstStyle/>
           <a:p>
+            <a:r>
+              <a:rPr lang="zh-CN" altLang="en-US" dirty="0">
+                <a:latin typeface="Microsoft YaHei" charset="-122"/>
+                <a:ea typeface="Microsoft YaHei" charset="-122"/>
+                <a:cs typeface="Microsoft YaHei" charset="-122"/>
+              </a:rPr>
+              <a:t>预处理插入</a:t>
+            </a:r>
+            <a:r>
+              <a:rPr lang="en-US" altLang="zh-CN" dirty="0" err="1">
+                <a:latin typeface="Microsoft YaHei" charset="-122"/>
+                <a:ea typeface="Microsoft YaHei" charset="-122"/>
+                <a:cs typeface="Microsoft YaHei" charset="-122"/>
+              </a:rPr>
+              <a:t>pdo</a:t>
+            </a:r>
+            <a:endParaRPr lang="en-US" dirty="0">
+              <a:latin typeface="Microsoft YaHei" charset="-122"/>
+              <a:ea typeface="Microsoft YaHei" charset="-122"/>
+              <a:cs typeface="Microsoft YaHei" charset="-122"/>
+            </a:endParaRPr>
+          </a:p>
+        </p:txBody>
+      </p:sp>
+      <p:sp>
+        <p:nvSpPr>
+          <p:cNvPr id="3" name="Content Placeholder 2"/>
+          <p:cNvSpPr>
+            <a:spLocks noGrp="1"/>
+          </p:cNvSpPr>
+          <p:nvPr>
+            <p:ph idx="1"/>
+          </p:nvPr>
+        </p:nvSpPr>
+        <p:spPr/>
+        <p:txBody>
+          <a:bodyPr>
+            <a:normAutofit fontScale="77500" lnSpcReduction="20000"/>
+          </a:bodyPr>
+          <a:lstStyle/>
+          <a:p>
+            <a:pPr marL="0" lvl="0" indent="0">
+              <a:lnSpc>
+                <a:spcPct val="100000"/>
+              </a:lnSpc>
+              <a:spcBef>
+                <a:spcPts val="0"/>
+              </a:spcBef>
+              <a:buClrTx/>
+              <a:buSzTx/>
+              <a:buNone/>
+            </a:pPr>
+            <a:r>
+              <a:rPr lang="en-US" altLang="zh-CN" dirty="0">
+                <a:latin typeface="Microsoft YaHei Light" charset="-122"/>
+                <a:ea typeface="Microsoft YaHei Light" charset="-122"/>
+                <a:cs typeface="Microsoft YaHei Light" charset="-122"/>
+              </a:rPr>
+              <a:t>try {</a:t>
+            </a:r>
+          </a:p>
+          <a:p>
+            <a:pPr marL="0" lvl="0" indent="0">
+              <a:lnSpc>
+                <a:spcPct val="100000"/>
+              </a:lnSpc>
+              <a:spcBef>
+                <a:spcPts val="0"/>
+              </a:spcBef>
+              <a:buClrTx/>
+              <a:buSzTx/>
+              <a:buNone/>
+            </a:pPr>
+            <a:r>
+              <a:rPr lang="en-US" altLang="zh-CN" dirty="0">
+                <a:latin typeface="Microsoft YaHei Light" charset="-122"/>
+                <a:ea typeface="Microsoft YaHei Light" charset="-122"/>
+                <a:cs typeface="Microsoft YaHei Light" charset="-122"/>
+              </a:rPr>
+              <a:t>    $conn = new PDO("</a:t>
+            </a:r>
+            <a:r>
+              <a:rPr lang="en-US" altLang="zh-CN" dirty="0" err="1">
+                <a:latin typeface="Microsoft YaHei Light" charset="-122"/>
+                <a:ea typeface="Microsoft YaHei Light" charset="-122"/>
+                <a:cs typeface="Microsoft YaHei Light" charset="-122"/>
+              </a:rPr>
+              <a:t>mysql:host</a:t>
+            </a:r>
+            <a:r>
+              <a:rPr lang="en-US" altLang="zh-CN" dirty="0">
+                <a:latin typeface="Microsoft YaHei Light" charset="-122"/>
+                <a:ea typeface="Microsoft YaHei Light" charset="-122"/>
+                <a:cs typeface="Microsoft YaHei Light" charset="-122"/>
+              </a:rPr>
+              <a:t>=</a:t>
+            </a:r>
+            <a:r>
+              <a:rPr lang="en-US" altLang="zh-CN" dirty="0" err="1">
+                <a:latin typeface="Microsoft YaHei Light" charset="-122"/>
+                <a:ea typeface="Microsoft YaHei Light" charset="-122"/>
+                <a:cs typeface="Microsoft YaHei Light" charset="-122"/>
+              </a:rPr>
+              <a:t>localhost;dbname</a:t>
+            </a:r>
+            <a:r>
+              <a:rPr lang="en-US" altLang="zh-CN" dirty="0">
+                <a:latin typeface="Microsoft YaHei Light" charset="-122"/>
+                <a:ea typeface="Microsoft YaHei Light" charset="-122"/>
+                <a:cs typeface="Microsoft YaHei Light" charset="-122"/>
+              </a:rPr>
+              <a:t>=test", "root", "");</a:t>
+            </a:r>
+          </a:p>
+          <a:p>
+            <a:pPr marL="0" lvl="0" indent="0">
+              <a:lnSpc>
+                <a:spcPct val="100000"/>
+              </a:lnSpc>
+              <a:spcBef>
+                <a:spcPts val="0"/>
+              </a:spcBef>
+              <a:buClrTx/>
+              <a:buSzTx/>
+              <a:buNone/>
+            </a:pPr>
+            <a:r>
+              <a:rPr lang="en-US" altLang="zh-CN" dirty="0">
+                <a:latin typeface="Microsoft YaHei Light" charset="-122"/>
+                <a:ea typeface="Microsoft YaHei Light" charset="-122"/>
+                <a:cs typeface="Microsoft YaHei Light" charset="-122"/>
+              </a:rPr>
+              <a:t>    // </a:t>
+            </a:r>
+            <a:r>
+              <a:rPr lang="zh-CN" altLang="en-US" dirty="0">
+                <a:latin typeface="Microsoft YaHei Light" charset="-122"/>
+                <a:ea typeface="Microsoft YaHei Light" charset="-122"/>
+                <a:cs typeface="Microsoft YaHei Light" charset="-122"/>
+              </a:rPr>
+              <a:t>预处理 </a:t>
+            </a:r>
+            <a:r>
+              <a:rPr lang="en-US" altLang="zh-CN" dirty="0">
+                <a:latin typeface="Microsoft YaHei Light" charset="-122"/>
+                <a:ea typeface="Microsoft YaHei Light" charset="-122"/>
+                <a:cs typeface="Microsoft YaHei Light" charset="-122"/>
+              </a:rPr>
+              <a:t>SQL </a:t>
+            </a:r>
+            <a:r>
+              <a:rPr lang="zh-CN" altLang="en-US" dirty="0">
+                <a:latin typeface="Microsoft YaHei Light" charset="-122"/>
+                <a:ea typeface="Microsoft YaHei Light" charset="-122"/>
+                <a:cs typeface="Microsoft YaHei Light" charset="-122"/>
+              </a:rPr>
+              <a:t>并绑定参数</a:t>
+            </a:r>
+            <a:endParaRPr lang="en-US" altLang="zh-CN" dirty="0">
+              <a:latin typeface="Microsoft YaHei Light" charset="-122"/>
+              <a:ea typeface="Microsoft YaHei Light" charset="-122"/>
+              <a:cs typeface="Microsoft YaHei Light" charset="-122"/>
+            </a:endParaRPr>
+          </a:p>
+          <a:p>
+            <a:pPr marL="0" lvl="0" indent="0">
+              <a:lnSpc>
+                <a:spcPct val="100000"/>
+              </a:lnSpc>
+              <a:spcBef>
+                <a:spcPts val="0"/>
+              </a:spcBef>
+              <a:buClrTx/>
+              <a:buSzTx/>
+              <a:buNone/>
+            </a:pPr>
+            <a:r>
+              <a:rPr lang="zh-CN" altLang="en-US" dirty="0">
+                <a:latin typeface="Microsoft YaHei Light" charset="-122"/>
+                <a:ea typeface="Microsoft YaHei Light" charset="-122"/>
+                <a:cs typeface="Microsoft YaHei Light" charset="-122"/>
+              </a:rPr>
+              <a:t>    </a:t>
+            </a:r>
+            <a:r>
+              <a:rPr lang="en-US" altLang="zh-CN" dirty="0">
+                <a:latin typeface="Microsoft YaHei Light" charset="-122"/>
+                <a:ea typeface="Microsoft YaHei Light" charset="-122"/>
+                <a:cs typeface="Microsoft YaHei Light" charset="-122"/>
+              </a:rPr>
+              <a:t>$</a:t>
+            </a:r>
+            <a:r>
+              <a:rPr lang="en-US" altLang="zh-CN" dirty="0" err="1">
+                <a:latin typeface="Microsoft YaHei Light" charset="-122"/>
+                <a:ea typeface="Microsoft YaHei Light" charset="-122"/>
+                <a:cs typeface="Microsoft YaHei Light" charset="-122"/>
+              </a:rPr>
+              <a:t>stmt</a:t>
+            </a:r>
+            <a:r>
+              <a:rPr lang="en-US" altLang="zh-CN" dirty="0">
+                <a:latin typeface="Microsoft YaHei Light" charset="-122"/>
+                <a:ea typeface="Microsoft YaHei Light" charset="-122"/>
+                <a:cs typeface="Microsoft YaHei Light" charset="-122"/>
+              </a:rPr>
+              <a:t> = $conn-&gt;prepare("INSERT INTO user (name, age) VALUES </a:t>
+            </a:r>
+            <a:r>
+              <a:rPr lang="en-US" altLang="zh-CN" dirty="0" smtClean="0">
+                <a:latin typeface="Microsoft YaHei Light" charset="-122"/>
+                <a:ea typeface="Microsoft YaHei Light" charset="-122"/>
+                <a:cs typeface="Microsoft YaHei Light" charset="-122"/>
+              </a:rPr>
+              <a:t>(?, ?)");</a:t>
+            </a:r>
+            <a:endParaRPr lang="en-US" altLang="zh-CN" dirty="0">
+              <a:latin typeface="Microsoft YaHei Light" charset="-122"/>
+              <a:ea typeface="Microsoft YaHei Light" charset="-122"/>
+              <a:cs typeface="Microsoft YaHei Light" charset="-122"/>
+            </a:endParaRPr>
+          </a:p>
+          <a:p>
+            <a:pPr marL="0" lvl="0" indent="0">
+              <a:lnSpc>
+                <a:spcPct val="100000"/>
+              </a:lnSpc>
+              <a:spcBef>
+                <a:spcPts val="0"/>
+              </a:spcBef>
+              <a:buClrTx/>
+              <a:buSzTx/>
+              <a:buNone/>
+            </a:pPr>
+            <a:r>
+              <a:rPr lang="en-US" altLang="zh-CN" dirty="0">
+                <a:latin typeface="Microsoft YaHei Light" charset="-122"/>
+                <a:ea typeface="Microsoft YaHei Light" charset="-122"/>
+                <a:cs typeface="Microsoft YaHei Light" charset="-122"/>
+              </a:rPr>
+              <a:t>    $</a:t>
+            </a:r>
+            <a:r>
+              <a:rPr lang="en-US" altLang="zh-CN" dirty="0" err="1">
+                <a:latin typeface="Microsoft YaHei Light" charset="-122"/>
+                <a:ea typeface="Microsoft YaHei Light" charset="-122"/>
+                <a:cs typeface="Microsoft YaHei Light" charset="-122"/>
+              </a:rPr>
+              <a:t>stmt</a:t>
+            </a:r>
+            <a:r>
+              <a:rPr lang="en-US" altLang="zh-CN" dirty="0">
+                <a:latin typeface="Microsoft YaHei Light" charset="-122"/>
+                <a:ea typeface="Microsoft YaHei Light" charset="-122"/>
+                <a:cs typeface="Microsoft YaHei Light" charset="-122"/>
+              </a:rPr>
+              <a:t>-&gt;</a:t>
+            </a:r>
+            <a:r>
+              <a:rPr lang="en-US" altLang="zh-CN" dirty="0" err="1" smtClean="0">
+                <a:latin typeface="Microsoft YaHei Light" charset="-122"/>
+                <a:ea typeface="Microsoft YaHei Light" charset="-122"/>
+                <a:cs typeface="Microsoft YaHei Light" charset="-122"/>
+              </a:rPr>
+              <a:t>bindParam</a:t>
+            </a:r>
+            <a:r>
+              <a:rPr lang="en-US" altLang="zh-CN" dirty="0" smtClean="0">
+                <a:latin typeface="Microsoft YaHei Light" charset="-122"/>
+                <a:ea typeface="Microsoft YaHei Light" charset="-122"/>
+                <a:cs typeface="Microsoft YaHei Light" charset="-122"/>
+              </a:rPr>
+              <a:t>(1, </a:t>
+            </a:r>
+            <a:r>
+              <a:rPr lang="en-US" altLang="zh-CN" dirty="0">
+                <a:latin typeface="Microsoft YaHei Light" charset="-122"/>
+                <a:ea typeface="Microsoft YaHei Light" charset="-122"/>
+                <a:cs typeface="Microsoft YaHei Light" charset="-122"/>
+              </a:rPr>
+              <a:t>$name);</a:t>
+            </a:r>
+          </a:p>
+          <a:p>
+            <a:pPr marL="0" lvl="0" indent="0">
+              <a:lnSpc>
+                <a:spcPct val="100000"/>
+              </a:lnSpc>
+              <a:spcBef>
+                <a:spcPts val="0"/>
+              </a:spcBef>
+              <a:buClrTx/>
+              <a:buSzTx/>
+              <a:buNone/>
+            </a:pPr>
+            <a:r>
+              <a:rPr lang="en-US" altLang="zh-CN" dirty="0">
+                <a:latin typeface="Microsoft YaHei Light" charset="-122"/>
+                <a:ea typeface="Microsoft YaHei Light" charset="-122"/>
+                <a:cs typeface="Microsoft YaHei Light" charset="-122"/>
+              </a:rPr>
+              <a:t>    $</a:t>
+            </a:r>
+            <a:r>
+              <a:rPr lang="en-US" altLang="zh-CN" dirty="0" err="1">
+                <a:latin typeface="Microsoft YaHei Light" charset="-122"/>
+                <a:ea typeface="Microsoft YaHei Light" charset="-122"/>
+                <a:cs typeface="Microsoft YaHei Light" charset="-122"/>
+              </a:rPr>
+              <a:t>stmt</a:t>
+            </a:r>
+            <a:r>
+              <a:rPr lang="en-US" altLang="zh-CN" dirty="0">
+                <a:latin typeface="Microsoft YaHei Light" charset="-122"/>
+                <a:ea typeface="Microsoft YaHei Light" charset="-122"/>
+                <a:cs typeface="Microsoft YaHei Light" charset="-122"/>
+              </a:rPr>
+              <a:t>-</a:t>
+            </a:r>
+            <a:r>
+              <a:rPr lang="en-US" altLang="zh-CN">
+                <a:latin typeface="Microsoft YaHei Light" charset="-122"/>
+                <a:ea typeface="Microsoft YaHei Light" charset="-122"/>
+                <a:cs typeface="Microsoft YaHei Light" charset="-122"/>
+              </a:rPr>
+              <a:t>&gt;</a:t>
+            </a:r>
+            <a:r>
+              <a:rPr lang="en-US" altLang="zh-CN" smtClean="0">
+                <a:latin typeface="Microsoft YaHei Light" charset="-122"/>
+                <a:ea typeface="Microsoft YaHei Light" charset="-122"/>
+                <a:cs typeface="Microsoft YaHei Light" charset="-122"/>
+              </a:rPr>
+              <a:t>bindParam(2, </a:t>
+            </a:r>
+            <a:r>
+              <a:rPr lang="en-US" altLang="zh-CN" dirty="0">
+                <a:latin typeface="Microsoft YaHei Light" charset="-122"/>
+                <a:ea typeface="Microsoft YaHei Light" charset="-122"/>
+                <a:cs typeface="Microsoft YaHei Light" charset="-122"/>
+              </a:rPr>
+              <a:t>$age);</a:t>
+            </a:r>
+          </a:p>
+          <a:p>
+            <a:pPr marL="0" lvl="0" indent="0">
+              <a:lnSpc>
+                <a:spcPct val="100000"/>
+              </a:lnSpc>
+              <a:spcBef>
+                <a:spcPts val="0"/>
+              </a:spcBef>
+              <a:buClrTx/>
+              <a:buSzTx/>
+              <a:buNone/>
+            </a:pPr>
+            <a:endParaRPr lang="en-US" altLang="zh-CN" dirty="0">
+              <a:latin typeface="Microsoft YaHei Light" charset="-122"/>
+              <a:ea typeface="Microsoft YaHei Light" charset="-122"/>
+              <a:cs typeface="Microsoft YaHei Light" charset="-122"/>
+            </a:endParaRPr>
+          </a:p>
+          <a:p>
+            <a:pPr marL="0" lvl="0" indent="0">
+              <a:lnSpc>
+                <a:spcPct val="100000"/>
+              </a:lnSpc>
+              <a:spcBef>
+                <a:spcPts val="0"/>
+              </a:spcBef>
+              <a:buClrTx/>
+              <a:buSzTx/>
+              <a:buNone/>
+            </a:pPr>
+            <a:r>
+              <a:rPr lang="en-US" altLang="zh-CN" dirty="0">
+                <a:latin typeface="Microsoft YaHei Light" charset="-122"/>
+                <a:ea typeface="Microsoft YaHei Light" charset="-122"/>
+                <a:cs typeface="Microsoft YaHei Light" charset="-122"/>
+              </a:rPr>
+              <a:t>    // </a:t>
+            </a:r>
+            <a:r>
+              <a:rPr lang="zh-CN" altLang="en-US" dirty="0">
+                <a:latin typeface="Microsoft YaHei Light" charset="-122"/>
+                <a:ea typeface="Microsoft YaHei Light" charset="-122"/>
+                <a:cs typeface="Microsoft YaHei Light" charset="-122"/>
+              </a:rPr>
+              <a:t>插入行    </a:t>
+            </a:r>
+            <a:r>
+              <a:rPr lang="en-US" altLang="zh-CN" dirty="0">
+                <a:latin typeface="Microsoft YaHei Light" charset="-122"/>
+                <a:ea typeface="Microsoft YaHei Light" charset="-122"/>
+                <a:cs typeface="Microsoft YaHei Light" charset="-122"/>
+              </a:rPr>
+              <a:t>$name = "John";</a:t>
+            </a:r>
+          </a:p>
+          <a:p>
+            <a:pPr marL="0" lvl="0" indent="0">
+              <a:lnSpc>
+                <a:spcPct val="100000"/>
+              </a:lnSpc>
+              <a:spcBef>
+                <a:spcPts val="0"/>
+              </a:spcBef>
+              <a:buClrTx/>
+              <a:buSzTx/>
+              <a:buNone/>
+            </a:pPr>
+            <a:r>
+              <a:rPr lang="en-US" altLang="zh-CN" dirty="0">
+                <a:latin typeface="Microsoft YaHei Light" charset="-122"/>
+                <a:ea typeface="Microsoft YaHei Light" charset="-122"/>
+                <a:cs typeface="Microsoft YaHei Light" charset="-122"/>
+              </a:rPr>
+              <a:t>    $age = 22;</a:t>
+            </a:r>
+          </a:p>
+          <a:p>
+            <a:pPr marL="0" lvl="0" indent="0">
+              <a:lnSpc>
+                <a:spcPct val="100000"/>
+              </a:lnSpc>
+              <a:spcBef>
+                <a:spcPts val="0"/>
+              </a:spcBef>
+              <a:buClrTx/>
+              <a:buSzTx/>
+              <a:buNone/>
+            </a:pPr>
+            <a:r>
+              <a:rPr lang="en-US" altLang="zh-CN" dirty="0">
+                <a:latin typeface="Microsoft YaHei Light" charset="-122"/>
+                <a:ea typeface="Microsoft YaHei Light" charset="-122"/>
+                <a:cs typeface="Microsoft YaHei Light" charset="-122"/>
+              </a:rPr>
+              <a:t>    $</a:t>
+            </a:r>
+            <a:r>
+              <a:rPr lang="en-US" altLang="zh-CN" dirty="0" err="1">
+                <a:latin typeface="Microsoft YaHei Light" charset="-122"/>
+                <a:ea typeface="Microsoft YaHei Light" charset="-122"/>
+                <a:cs typeface="Microsoft YaHei Light" charset="-122"/>
+              </a:rPr>
+              <a:t>stmt</a:t>
+            </a:r>
+            <a:r>
+              <a:rPr lang="en-US" altLang="zh-CN" dirty="0">
+                <a:latin typeface="Microsoft YaHei Light" charset="-122"/>
+                <a:ea typeface="Microsoft YaHei Light" charset="-122"/>
+                <a:cs typeface="Microsoft YaHei Light" charset="-122"/>
+              </a:rPr>
+              <a:t>-&gt;execute();</a:t>
+            </a:r>
+          </a:p>
+          <a:p>
+            <a:pPr marL="0" lvl="0" indent="0">
+              <a:lnSpc>
+                <a:spcPct val="100000"/>
+              </a:lnSpc>
+              <a:spcBef>
+                <a:spcPts val="0"/>
+              </a:spcBef>
+              <a:buClrTx/>
+              <a:buSzTx/>
+              <a:buNone/>
+            </a:pPr>
+            <a:endParaRPr lang="en-US" altLang="zh-CN" dirty="0">
+              <a:latin typeface="Microsoft YaHei Light" charset="-122"/>
+              <a:ea typeface="Microsoft YaHei Light" charset="-122"/>
+              <a:cs typeface="Microsoft YaHei Light" charset="-122"/>
+            </a:endParaRPr>
+          </a:p>
+          <a:p>
+            <a:pPr marL="0" lvl="0" indent="0">
+              <a:lnSpc>
+                <a:spcPct val="100000"/>
+              </a:lnSpc>
+              <a:spcBef>
+                <a:spcPts val="0"/>
+              </a:spcBef>
+              <a:buClrTx/>
+              <a:buSzTx/>
+              <a:buNone/>
+            </a:pPr>
+            <a:r>
+              <a:rPr lang="en-US" altLang="zh-CN" dirty="0">
+                <a:latin typeface="Microsoft YaHei Light" charset="-122"/>
+                <a:ea typeface="Microsoft YaHei Light" charset="-122"/>
+                <a:cs typeface="Microsoft YaHei Light" charset="-122"/>
+              </a:rPr>
+              <a:t>    $name = "Tom";</a:t>
+            </a:r>
+          </a:p>
+          <a:p>
+            <a:pPr marL="0" lvl="0" indent="0">
+              <a:lnSpc>
+                <a:spcPct val="100000"/>
+              </a:lnSpc>
+              <a:spcBef>
+                <a:spcPts val="0"/>
+              </a:spcBef>
+              <a:buClrTx/>
+              <a:buSzTx/>
+              <a:buNone/>
+            </a:pPr>
+            <a:r>
+              <a:rPr lang="en-US" altLang="zh-CN" dirty="0">
+                <a:latin typeface="Microsoft YaHei Light" charset="-122"/>
+                <a:ea typeface="Microsoft YaHei Light" charset="-122"/>
+                <a:cs typeface="Microsoft YaHei Light" charset="-122"/>
+              </a:rPr>
+              <a:t>    $age = 25;</a:t>
+            </a:r>
+          </a:p>
+          <a:p>
+            <a:pPr marL="0" lvl="0" indent="0">
+              <a:lnSpc>
+                <a:spcPct val="100000"/>
+              </a:lnSpc>
+              <a:spcBef>
+                <a:spcPts val="0"/>
+              </a:spcBef>
+              <a:buClrTx/>
+              <a:buSzTx/>
+              <a:buNone/>
+            </a:pPr>
+            <a:r>
+              <a:rPr lang="en-US" altLang="zh-CN" dirty="0">
+                <a:latin typeface="Microsoft YaHei Light" charset="-122"/>
+                <a:ea typeface="Microsoft YaHei Light" charset="-122"/>
+                <a:cs typeface="Microsoft YaHei Light" charset="-122"/>
+              </a:rPr>
+              <a:t>    $</a:t>
+            </a:r>
+            <a:r>
+              <a:rPr lang="en-US" altLang="zh-CN" dirty="0" err="1">
+                <a:latin typeface="Microsoft YaHei Light" charset="-122"/>
+                <a:ea typeface="Microsoft YaHei Light" charset="-122"/>
+                <a:cs typeface="Microsoft YaHei Light" charset="-122"/>
+              </a:rPr>
+              <a:t>stmt</a:t>
+            </a:r>
+            <a:r>
+              <a:rPr lang="en-US" altLang="zh-CN" dirty="0">
+                <a:latin typeface="Microsoft YaHei Light" charset="-122"/>
+                <a:ea typeface="Microsoft YaHei Light" charset="-122"/>
+                <a:cs typeface="Microsoft YaHei Light" charset="-122"/>
+              </a:rPr>
+              <a:t>-&gt;execute();</a:t>
+            </a:r>
+          </a:p>
+          <a:p>
+            <a:pPr marL="0" lvl="0" indent="0">
+              <a:lnSpc>
+                <a:spcPct val="100000"/>
+              </a:lnSpc>
+              <a:spcBef>
+                <a:spcPts val="0"/>
+              </a:spcBef>
+              <a:buClrTx/>
+              <a:buSzTx/>
+              <a:buNone/>
+            </a:pPr>
+            <a:r>
+              <a:rPr lang="en-US" altLang="zh-CN" dirty="0">
+                <a:latin typeface="Microsoft YaHei Light" charset="-122"/>
+                <a:ea typeface="Microsoft YaHei Light" charset="-122"/>
+                <a:cs typeface="Microsoft YaHei Light" charset="-122"/>
+              </a:rPr>
+              <a:t>}catch(</a:t>
+            </a:r>
+            <a:r>
+              <a:rPr lang="en-US" altLang="zh-CN" dirty="0" err="1">
+                <a:latin typeface="Microsoft YaHei Light" charset="-122"/>
+                <a:ea typeface="Microsoft YaHei Light" charset="-122"/>
+                <a:cs typeface="Microsoft YaHei Light" charset="-122"/>
+              </a:rPr>
+              <a:t>PDOException</a:t>
+            </a:r>
+            <a:r>
+              <a:rPr lang="en-US" altLang="zh-CN" dirty="0">
+                <a:latin typeface="Microsoft YaHei Light" charset="-122"/>
+                <a:ea typeface="Microsoft YaHei Light" charset="-122"/>
+                <a:cs typeface="Microsoft YaHei Light" charset="-122"/>
+              </a:rPr>
+              <a:t> $e){</a:t>
+            </a:r>
+          </a:p>
+          <a:p>
+            <a:pPr marL="0" lvl="0" indent="0">
+              <a:lnSpc>
+                <a:spcPct val="100000"/>
+              </a:lnSpc>
+              <a:spcBef>
+                <a:spcPts val="0"/>
+              </a:spcBef>
+              <a:buClrTx/>
+              <a:buSzTx/>
+              <a:buNone/>
+            </a:pPr>
+            <a:r>
+              <a:rPr lang="en-US" altLang="zh-CN" dirty="0">
+                <a:latin typeface="Microsoft YaHei Light" charset="-122"/>
+                <a:ea typeface="Microsoft YaHei Light" charset="-122"/>
+                <a:cs typeface="Microsoft YaHei Light" charset="-122"/>
+              </a:rPr>
+              <a:t>    echo "Error: " . $e-&gt;</a:t>
+            </a:r>
+            <a:r>
+              <a:rPr lang="en-US" altLang="zh-CN" dirty="0" err="1">
+                <a:latin typeface="Microsoft YaHei Light" charset="-122"/>
+                <a:ea typeface="Microsoft YaHei Light" charset="-122"/>
+                <a:cs typeface="Microsoft YaHei Light" charset="-122"/>
+              </a:rPr>
+              <a:t>getMessage</a:t>
+            </a:r>
+            <a:r>
+              <a:rPr lang="en-US" altLang="zh-CN" dirty="0">
+                <a:latin typeface="Microsoft YaHei Light" charset="-122"/>
+                <a:ea typeface="Microsoft YaHei Light" charset="-122"/>
+                <a:cs typeface="Microsoft YaHei Light" charset="-122"/>
+              </a:rPr>
+              <a:t>();</a:t>
+            </a:r>
+          </a:p>
+          <a:p>
+            <a:pPr marL="0" lvl="0" indent="0">
+              <a:lnSpc>
+                <a:spcPct val="100000"/>
+              </a:lnSpc>
+              <a:spcBef>
+                <a:spcPts val="0"/>
+              </a:spcBef>
+              <a:buClrTx/>
+              <a:buSzTx/>
+              <a:buNone/>
+            </a:pPr>
+            <a:r>
+              <a:rPr lang="en-US" altLang="zh-CN" dirty="0">
+                <a:latin typeface="Microsoft YaHei Light" charset="-122"/>
+                <a:ea typeface="Microsoft YaHei Light" charset="-122"/>
+                <a:cs typeface="Microsoft YaHei Light" charset="-122"/>
+              </a:rPr>
+              <a:t>}</a:t>
+            </a:r>
+          </a:p>
+          <a:p>
+            <a:pPr marL="0" marR="0" lvl="0" indent="0" defTabSz="914400" eaLnBrk="1" fontAlgn="auto" latinLnBrk="0" hangingPunct="1">
+              <a:lnSpc>
+                <a:spcPct val="100000"/>
+              </a:lnSpc>
+              <a:spcBef>
+                <a:spcPts val="0"/>
+              </a:spcBef>
+              <a:spcAft>
+                <a:spcPts val="0"/>
+              </a:spcAft>
+              <a:buClrTx/>
+              <a:buSzTx/>
+              <a:buFontTx/>
+              <a:buNone/>
+              <a:tabLst/>
+              <a:defRPr/>
+            </a:pPr>
+            <a:endParaRPr lang="en-US" altLang="zh-CN" dirty="0" smtClean="0">
+              <a:latin typeface="Microsoft YaHei Light" charset="-122"/>
+              <a:ea typeface="Microsoft YaHei Light" charset="-122"/>
+              <a:cs typeface="Microsoft YaHei Light" charset="-122"/>
+            </a:endParaRPr>
+          </a:p>
+        </p:txBody>
+      </p:sp>
+    </p:spTree>
+    <p:extLst>
+      <p:ext uri="{BB962C8B-B14F-4D97-AF65-F5344CB8AC3E}">
+        <p14:creationId xmlns:p14="http://schemas.microsoft.com/office/powerpoint/2010/main" val="262411983"/>
+      </p:ext>
+    </p:extLst>
+  </p:cSld>
+  <p:clrMapOvr>
+    <a:masterClrMapping/>
+  </p:clrMapOvr>
+  <p:timing>
+    <p:tnLst>
+      <p:par>
+        <p:cTn id="1" dur="indefinite" restart="never" nodeType="tmRoot"/>
+      </p:par>
+    </p:tnLst>
+  </p:timing>
+</p:sld>
+</file>
+
+<file path=ppt/slides/slide19.xml><?xml version="1.0" encoding="utf-8"?>
+<p:sld xmlns:a="http://schemas.openxmlformats.org/drawingml/2006/main" xmlns:r="http://schemas.openxmlformats.org/officeDocument/2006/relationships" xmlns:p="http://schemas.openxmlformats.org/presentationml/2006/main">
+  <p:cSld>
+    <p:spTree>
+      <p:nvGrpSpPr>
+        <p:cNvPr id="1" name=""/>
+        <p:cNvGrpSpPr/>
+        <p:nvPr/>
+      </p:nvGrpSpPr>
+      <p:grpSpPr>
+        <a:xfrm>
+          <a:off x="0" y="0"/>
+          <a:ext cx="0" cy="0"/>
+          <a:chOff x="0" y="0"/>
+          <a:chExt cx="0" cy="0"/>
+        </a:xfrm>
+      </p:grpSpPr>
+      <p:sp>
+        <p:nvSpPr>
+          <p:cNvPr id="2" name="Title 1"/>
+          <p:cNvSpPr>
+            <a:spLocks noGrp="1"/>
+          </p:cNvSpPr>
+          <p:nvPr>
+            <p:ph type="title"/>
+          </p:nvPr>
+        </p:nvSpPr>
+        <p:spPr>
+          <a:xfrm>
+            <a:off x="1451579" y="1313234"/>
+            <a:ext cx="9603275" cy="540520"/>
+          </a:xfrm>
+        </p:spPr>
+        <p:txBody>
+          <a:bodyPr/>
+          <a:lstStyle/>
+          <a:p>
             <a:endParaRPr lang="en-US" dirty="0">
               <a:latin typeface="Microsoft YaHei" charset="-122"/>
               <a:ea typeface="Microsoft YaHei" charset="-122"/>
@@ -10944,7 +11761,7 @@
     </p:spTree>
     <p:extLst>
       <p:ext uri="{BB962C8B-B14F-4D97-AF65-F5344CB8AC3E}">
-        <p14:creationId xmlns:p14="http://schemas.microsoft.com/office/powerpoint/2010/main" val="262411983"/>
+        <p14:creationId xmlns:p14="http://schemas.microsoft.com/office/powerpoint/2010/main" val="735879739"/>
       </p:ext>
     </p:extLst>
   </p:cSld>
